--- a/units/3/lessons/4/resources/petascale-lesson-3.4-slides.pptx
+++ b/units/3/lessons/4/resources/petascale-lesson-3.4-slides.pptx
@@ -10,7 +10,7 @@
   </p:notesMasterIdLst>
   <p:sldIdLst>
     <p:sldId id="271" r:id="rId3"/>
-    <p:sldId id="272" r:id="rId4"/>
+    <p:sldId id="273" r:id="rId4"/>
     <p:sldId id="257" r:id="rId5"/>
     <p:sldId id="258" r:id="rId6"/>
     <p:sldId id="259" r:id="rId7"/>
@@ -11890,15 +11890,7 @@
                 <a:ea typeface="Times New Roman" charset="0"/>
                 <a:cs typeface="Times New Roman" charset="0"/>
               </a:rPr>
-              <a:t>Blue Waters Petascale</a:t>
-            </a:r>
-            <a:r>
-              <a:rPr lang="en-US" sz="2700" b="1" dirty="0">
-                <a:latin typeface="Times New Roman" charset="0"/>
-                <a:ea typeface="Times New Roman" charset="0"/>
-                <a:cs typeface="Times New Roman" charset="0"/>
-              </a:rPr>
-              <a:t> Semester Curriculum v1.0</a:t>
+              <a:t>Blue Waters Petascale Semester Curriculum v1.0</a:t>
             </a:r>
             <a:r>
               <a:rPr lang="en-US" sz="2700" dirty="0">
@@ -11961,14 +11953,6 @@
                 <a:cs typeface="Times New Roman" charset="0"/>
               </a:rPr>
               <a:t>: Copying Code to a Cluster</a:t>
-            </a:r>
-            <a:r>
-              <a:rPr lang="en-US" sz="2700" b="1" dirty="0">
-                <a:latin typeface="Times New Roman" charset="0"/>
-                <a:ea typeface="Times New Roman" charset="0"/>
-                <a:cs typeface="Times New Roman" charset="0"/>
-              </a:rPr>
-              <a:t/>
             </a:r>
             <a:br>
               <a:rPr lang="en-US" sz="2700" b="1" dirty="0">
@@ -14920,7 +14904,7 @@
                 <a:hlinkClick r:id="rId3">
                   <a:extLst>
                     <a:ext uri="{A12FA001-AC4F-418D-AE19-62706E023703}">
-                      <ahyp:hlinkClr xmlns:ahyp="http://schemas.microsoft.com/office/drawing/2018/hyperlinkcolor" xmlns:p15="http://schemas.microsoft.com/office/powerpoint/2012/main" xmlns:p14="http://schemas.microsoft.com/office/powerpoint/2010/main" xmlns:com="http://schemas.openxmlformats.org/drawingml/2006/compatibility" xmlns:pvml="urn:schemas-microsoft-com:office:powerpoint" xmlns:v="urn:schemas-microsoft-com:vml" xmlns:o="urn:schemas-microsoft-com:office:office" xmlns:dgm="http://schemas.openxmlformats.org/drawingml/2006/diagram" xmlns:c="http://schemas.openxmlformats.org/drawingml/2006/chart" xmlns:mv="urn:schemas-microsoft-com:mac:vml" xmlns:mc="http://schemas.openxmlformats.org/markup-compatibility/2006" xmlns="" val="tx"/>
+                      <ahyp:hlinkClr xmlns="" xmlns:mc="http://schemas.openxmlformats.org/markup-compatibility/2006" xmlns:mv="urn:schemas-microsoft-com:mac:vml" xmlns:c="http://schemas.openxmlformats.org/drawingml/2006/chart" xmlns:dgm="http://schemas.openxmlformats.org/drawingml/2006/diagram" xmlns:o="urn:schemas-microsoft-com:office:office" xmlns:v="urn:schemas-microsoft-com:vml" xmlns:pvml="urn:schemas-microsoft-com:office:powerpoint" xmlns:com="http://schemas.openxmlformats.org/drawingml/2006/compatibility" xmlns:p14="http://schemas.microsoft.com/office/powerpoint/2010/main" xmlns:p15="http://schemas.microsoft.com/office/powerpoint/2012/main" xmlns:ahyp="http://schemas.microsoft.com/office/drawing/2018/hyperlinkcolor" val="tx"/>
                     </a:ext>
                   </a:extLst>
                 </a:hlinkClick>
@@ -15023,7 +15007,7 @@
                 <a:hlinkClick r:id="rId4">
                   <a:extLst>
                     <a:ext uri="{A12FA001-AC4F-418D-AE19-62706E023703}">
-                      <ahyp:hlinkClr xmlns:ahyp="http://schemas.microsoft.com/office/drawing/2018/hyperlinkcolor" xmlns:p15="http://schemas.microsoft.com/office/powerpoint/2012/main" xmlns:p14="http://schemas.microsoft.com/office/powerpoint/2010/main" xmlns:com="http://schemas.openxmlformats.org/drawingml/2006/compatibility" xmlns:pvml="urn:schemas-microsoft-com:office:powerpoint" xmlns:v="urn:schemas-microsoft-com:vml" xmlns:o="urn:schemas-microsoft-com:office:office" xmlns:dgm="http://schemas.openxmlformats.org/drawingml/2006/diagram" xmlns:c="http://schemas.openxmlformats.org/drawingml/2006/chart" xmlns:mv="urn:schemas-microsoft-com:mac:vml" xmlns:mc="http://schemas.openxmlformats.org/markup-compatibility/2006" xmlns="" val="tx"/>
+                      <ahyp:hlinkClr xmlns="" xmlns:mc="http://schemas.openxmlformats.org/markup-compatibility/2006" xmlns:mv="urn:schemas-microsoft-com:mac:vml" xmlns:c="http://schemas.openxmlformats.org/drawingml/2006/chart" xmlns:dgm="http://schemas.openxmlformats.org/drawingml/2006/diagram" xmlns:o="urn:schemas-microsoft-com:office:office" xmlns:v="urn:schemas-microsoft-com:vml" xmlns:pvml="urn:schemas-microsoft-com:office:powerpoint" xmlns:com="http://schemas.openxmlformats.org/drawingml/2006/compatibility" xmlns:p14="http://schemas.microsoft.com/office/powerpoint/2010/main" xmlns:p15="http://schemas.microsoft.com/office/powerpoint/2012/main" xmlns:ahyp="http://schemas.microsoft.com/office/drawing/2018/hyperlinkcolor" val="tx"/>
                     </a:ext>
                   </a:extLst>
                 </a:hlinkClick>
@@ -15126,7 +15110,7 @@
                 <a:hlinkClick r:id="rId5">
                   <a:extLst>
                     <a:ext uri="{A12FA001-AC4F-418D-AE19-62706E023703}">
-                      <ahyp:hlinkClr xmlns:ahyp="http://schemas.microsoft.com/office/drawing/2018/hyperlinkcolor" xmlns:p15="http://schemas.microsoft.com/office/powerpoint/2012/main" xmlns:p14="http://schemas.microsoft.com/office/powerpoint/2010/main" xmlns:com="http://schemas.openxmlformats.org/drawingml/2006/compatibility" xmlns:pvml="urn:schemas-microsoft-com:office:powerpoint" xmlns:v="urn:schemas-microsoft-com:vml" xmlns:o="urn:schemas-microsoft-com:office:office" xmlns:dgm="http://schemas.openxmlformats.org/drawingml/2006/diagram" xmlns:c="http://schemas.openxmlformats.org/drawingml/2006/chart" xmlns:mv="urn:schemas-microsoft-com:mac:vml" xmlns:mc="http://schemas.openxmlformats.org/markup-compatibility/2006" xmlns="" val="tx"/>
+                      <ahyp:hlinkClr xmlns="" xmlns:mc="http://schemas.openxmlformats.org/markup-compatibility/2006" xmlns:mv="urn:schemas-microsoft-com:mac:vml" xmlns:c="http://schemas.openxmlformats.org/drawingml/2006/chart" xmlns:dgm="http://schemas.openxmlformats.org/drawingml/2006/diagram" xmlns:o="urn:schemas-microsoft-com:office:office" xmlns:v="urn:schemas-microsoft-com:vml" xmlns:pvml="urn:schemas-microsoft-com:office:powerpoint" xmlns:com="http://schemas.openxmlformats.org/drawingml/2006/compatibility" xmlns:p14="http://schemas.microsoft.com/office/powerpoint/2010/main" xmlns:p15="http://schemas.microsoft.com/office/powerpoint/2012/main" xmlns:ahyp="http://schemas.microsoft.com/office/drawing/2018/hyperlinkcolor" val="tx"/>
                     </a:ext>
                   </a:extLst>
                 </a:hlinkClick>
@@ -15229,7 +15213,7 @@
                 <a:hlinkClick r:id="rId6">
                   <a:extLst>
                     <a:ext uri="{A12FA001-AC4F-418D-AE19-62706E023703}">
-                      <ahyp:hlinkClr xmlns:ahyp="http://schemas.microsoft.com/office/drawing/2018/hyperlinkcolor" xmlns:p15="http://schemas.microsoft.com/office/powerpoint/2012/main" xmlns:p14="http://schemas.microsoft.com/office/powerpoint/2010/main" xmlns:com="http://schemas.openxmlformats.org/drawingml/2006/compatibility" xmlns:pvml="urn:schemas-microsoft-com:office:powerpoint" xmlns:v="urn:schemas-microsoft-com:vml" xmlns:o="urn:schemas-microsoft-com:office:office" xmlns:dgm="http://schemas.openxmlformats.org/drawingml/2006/diagram" xmlns:c="http://schemas.openxmlformats.org/drawingml/2006/chart" xmlns:mv="urn:schemas-microsoft-com:mac:vml" xmlns:mc="http://schemas.openxmlformats.org/markup-compatibility/2006" xmlns="" val="tx"/>
+                      <ahyp:hlinkClr xmlns="" xmlns:mc="http://schemas.openxmlformats.org/markup-compatibility/2006" xmlns:mv="urn:schemas-microsoft-com:mac:vml" xmlns:c="http://schemas.openxmlformats.org/drawingml/2006/chart" xmlns:dgm="http://schemas.openxmlformats.org/drawingml/2006/diagram" xmlns:o="urn:schemas-microsoft-com:office:office" xmlns:v="urn:schemas-microsoft-com:vml" xmlns:pvml="urn:schemas-microsoft-com:office:powerpoint" xmlns:com="http://schemas.openxmlformats.org/drawingml/2006/compatibility" xmlns:p14="http://schemas.microsoft.com/office/powerpoint/2010/main" xmlns:p15="http://schemas.microsoft.com/office/powerpoint/2012/main" xmlns:ahyp="http://schemas.microsoft.com/office/drawing/2018/hyperlinkcolor" val="tx"/>
                     </a:ext>
                   </a:extLst>
                 </a:hlinkClick>
@@ -15332,7 +15316,7 @@
                 <a:hlinkClick r:id="rId7">
                   <a:extLst>
                     <a:ext uri="{A12FA001-AC4F-418D-AE19-62706E023703}">
-                      <ahyp:hlinkClr xmlns:ahyp="http://schemas.microsoft.com/office/drawing/2018/hyperlinkcolor" xmlns:p15="http://schemas.microsoft.com/office/powerpoint/2012/main" xmlns:p14="http://schemas.microsoft.com/office/powerpoint/2010/main" xmlns:com="http://schemas.openxmlformats.org/drawingml/2006/compatibility" xmlns:pvml="urn:schemas-microsoft-com:office:powerpoint" xmlns:v="urn:schemas-microsoft-com:vml" xmlns:o="urn:schemas-microsoft-com:office:office" xmlns:dgm="http://schemas.openxmlformats.org/drawingml/2006/diagram" xmlns:c="http://schemas.openxmlformats.org/drawingml/2006/chart" xmlns:mv="urn:schemas-microsoft-com:mac:vml" xmlns:mc="http://schemas.openxmlformats.org/markup-compatibility/2006" xmlns="" val="tx"/>
+                      <ahyp:hlinkClr xmlns="" xmlns:mc="http://schemas.openxmlformats.org/markup-compatibility/2006" xmlns:mv="urn:schemas-microsoft-com:mac:vml" xmlns:c="http://schemas.openxmlformats.org/drawingml/2006/chart" xmlns:dgm="http://schemas.openxmlformats.org/drawingml/2006/diagram" xmlns:o="urn:schemas-microsoft-com:office:office" xmlns:v="urn:schemas-microsoft-com:vml" xmlns:pvml="urn:schemas-microsoft-com:office:powerpoint" xmlns:com="http://schemas.openxmlformats.org/drawingml/2006/compatibility" xmlns:p14="http://schemas.microsoft.com/office/powerpoint/2010/main" xmlns:p15="http://schemas.microsoft.com/office/powerpoint/2012/main" xmlns:ahyp="http://schemas.microsoft.com/office/drawing/2018/hyperlinkcolor" val="tx"/>
                     </a:ext>
                   </a:extLst>
                 </a:hlinkClick>
@@ -15392,7 +15376,7 @@
         </p:nvSpPr>
         <p:spPr>
           <a:xfrm>
-            <a:off x="566059" y="0"/>
+            <a:off x="566057" y="0"/>
             <a:ext cx="8011886" cy="5143500"/>
           </a:xfrm>
         </p:spPr>
@@ -15439,7 +15423,23 @@
                 <a:ea typeface="Times New Roman" charset="0"/>
                 <a:cs typeface="Times New Roman" charset="0"/>
               </a:rPr>
-              <a:t>CC BY-NC 4.0. To view a copy of this license, visit </a:t>
+              <a:t>CC </a:t>
+            </a:r>
+            <a:r>
+              <a:rPr lang="en-US" sz="2100" dirty="0" smtClean="0">
+                <a:latin typeface="Times New Roman" charset="0"/>
+                <a:ea typeface="Times New Roman" charset="0"/>
+                <a:cs typeface="Times New Roman" charset="0"/>
+              </a:rPr>
+              <a:t>BY-SA </a:t>
+            </a:r>
+            <a:r>
+              <a:rPr lang="en-US" sz="2100" dirty="0">
+                <a:latin typeface="Times New Roman" charset="0"/>
+                <a:ea typeface="Times New Roman" charset="0"/>
+                <a:cs typeface="Times New Roman" charset="0"/>
+              </a:rPr>
+              <a:t>4.0. To view a copy of this license, visit </a:t>
             </a:r>
             <a:r>
               <a:rPr lang="en-US" sz="2100" dirty="0">
@@ -15448,7 +15448,16 @@
                 <a:cs typeface="Times New Roman" charset="0"/>
                 <a:hlinkClick r:id="rId2"/>
               </a:rPr>
-              <a:t>https://creativecommons.org/licenses/by-nc/4.0</a:t>
+              <a:t>https://</a:t>
+            </a:r>
+            <a:r>
+              <a:rPr lang="en-US" sz="2100" dirty="0" smtClean="0">
+                <a:latin typeface="Times New Roman" charset="0"/>
+                <a:ea typeface="Times New Roman" charset="0"/>
+                <a:cs typeface="Times New Roman" charset="0"/>
+                <a:hlinkClick r:id="rId2"/>
+              </a:rPr>
+              <a:t>creativecommons.org/licenses/by-sa/4.0</a:t>
             </a:r>
             <a:r>
               <a:rPr lang="en-US" sz="2100" dirty="0">
@@ -15602,20 +15611,13 @@
     </p:spTree>
     <p:extLst>
       <p:ext uri="{BB962C8B-B14F-4D97-AF65-F5344CB8AC3E}">
-        <p14:creationId xmlns:p14="http://schemas.microsoft.com/office/powerpoint/2010/main" val="992964816"/>
+        <p14:creationId xmlns:p14="http://schemas.microsoft.com/office/powerpoint/2010/main" val="1215915962"/>
       </p:ext>
     </p:extLst>
   </p:cSld>
   <p:clrMapOvr>
     <a:masterClrMapping/>
   </p:clrMapOvr>
-  <p:timing>
-    <p:tnLst>
-      <p:par>
-        <p:cTn id="1" dur="indefinite" restart="never" nodeType="tmRoot"/>
-      </p:par>
-    </p:tnLst>
-  </p:timing>
 </p:sld>
 </file>
 

--- a/units/3/lessons/4/resources/petascale-lesson-3.4-slides.pptx
+++ b/units/3/lessons/4/resources/petascale-lesson-3.4-slides.pptx
@@ -1474,7 +1474,7 @@
         </p:nvSpPr>
         <p:spPr>
           <a:xfrm>
-            <a:off x="381300" y="685800"/>
+            <a:off x="381000" y="685800"/>
             <a:ext cx="6096000" cy="3429000"/>
           </a:xfrm>
           <a:custGeom>
@@ -1578,7 +1578,7 @@
         </p:nvSpPr>
         <p:spPr>
           <a:xfrm>
-            <a:off x="381300" y="685800"/>
+            <a:off x="381000" y="685800"/>
             <a:ext cx="6096000" cy="3429000"/>
           </a:xfrm>
           <a:custGeom>
@@ -14904,7 +14904,7 @@
                 <a:hlinkClick r:id="rId3">
                   <a:extLst>
                     <a:ext uri="{A12FA001-AC4F-418D-AE19-62706E023703}">
-                      <ahyp:hlinkClr xmlns="" xmlns:mc="http://schemas.openxmlformats.org/markup-compatibility/2006" xmlns:mv="urn:schemas-microsoft-com:mac:vml" xmlns:c="http://schemas.openxmlformats.org/drawingml/2006/chart" xmlns:dgm="http://schemas.openxmlformats.org/drawingml/2006/diagram" xmlns:o="urn:schemas-microsoft-com:office:office" xmlns:v="urn:schemas-microsoft-com:vml" xmlns:pvml="urn:schemas-microsoft-com:office:powerpoint" xmlns:com="http://schemas.openxmlformats.org/drawingml/2006/compatibility" xmlns:p14="http://schemas.microsoft.com/office/powerpoint/2010/main" xmlns:p15="http://schemas.microsoft.com/office/powerpoint/2012/main" xmlns:ahyp="http://schemas.microsoft.com/office/drawing/2018/hyperlinkcolor" val="tx"/>
+                      <ahyp:hlinkClr xmlns:ahyp="http://schemas.microsoft.com/office/drawing/2018/hyperlinkcolor" xmlns:p15="http://schemas.microsoft.com/office/powerpoint/2012/main" xmlns:p14="http://schemas.microsoft.com/office/powerpoint/2010/main" xmlns:com="http://schemas.openxmlformats.org/drawingml/2006/compatibility" xmlns:pvml="urn:schemas-microsoft-com:office:powerpoint" xmlns:v="urn:schemas-microsoft-com:vml" xmlns:o="urn:schemas-microsoft-com:office:office" xmlns:dgm="http://schemas.openxmlformats.org/drawingml/2006/diagram" xmlns:c="http://schemas.openxmlformats.org/drawingml/2006/chart" xmlns:mv="urn:schemas-microsoft-com:mac:vml" xmlns:mc="http://schemas.openxmlformats.org/markup-compatibility/2006" xmlns="" val="tx"/>
                     </a:ext>
                   </a:extLst>
                 </a:hlinkClick>
@@ -15007,7 +15007,7 @@
                 <a:hlinkClick r:id="rId4">
                   <a:extLst>
                     <a:ext uri="{A12FA001-AC4F-418D-AE19-62706E023703}">
-                      <ahyp:hlinkClr xmlns="" xmlns:mc="http://schemas.openxmlformats.org/markup-compatibility/2006" xmlns:mv="urn:schemas-microsoft-com:mac:vml" xmlns:c="http://schemas.openxmlformats.org/drawingml/2006/chart" xmlns:dgm="http://schemas.openxmlformats.org/drawingml/2006/diagram" xmlns:o="urn:schemas-microsoft-com:office:office" xmlns:v="urn:schemas-microsoft-com:vml" xmlns:pvml="urn:schemas-microsoft-com:office:powerpoint" xmlns:com="http://schemas.openxmlformats.org/drawingml/2006/compatibility" xmlns:p14="http://schemas.microsoft.com/office/powerpoint/2010/main" xmlns:p15="http://schemas.microsoft.com/office/powerpoint/2012/main" xmlns:ahyp="http://schemas.microsoft.com/office/drawing/2018/hyperlinkcolor" val="tx"/>
+                      <ahyp:hlinkClr xmlns:ahyp="http://schemas.microsoft.com/office/drawing/2018/hyperlinkcolor" xmlns:p15="http://schemas.microsoft.com/office/powerpoint/2012/main" xmlns:p14="http://schemas.microsoft.com/office/powerpoint/2010/main" xmlns:com="http://schemas.openxmlformats.org/drawingml/2006/compatibility" xmlns:pvml="urn:schemas-microsoft-com:office:powerpoint" xmlns:v="urn:schemas-microsoft-com:vml" xmlns:o="urn:schemas-microsoft-com:office:office" xmlns:dgm="http://schemas.openxmlformats.org/drawingml/2006/diagram" xmlns:c="http://schemas.openxmlformats.org/drawingml/2006/chart" xmlns:mv="urn:schemas-microsoft-com:mac:vml" xmlns:mc="http://schemas.openxmlformats.org/markup-compatibility/2006" xmlns="" val="tx"/>
                     </a:ext>
                   </a:extLst>
                 </a:hlinkClick>
@@ -15110,7 +15110,7 @@
                 <a:hlinkClick r:id="rId5">
                   <a:extLst>
                     <a:ext uri="{A12FA001-AC4F-418D-AE19-62706E023703}">
-                      <ahyp:hlinkClr xmlns="" xmlns:mc="http://schemas.openxmlformats.org/markup-compatibility/2006" xmlns:mv="urn:schemas-microsoft-com:mac:vml" xmlns:c="http://schemas.openxmlformats.org/drawingml/2006/chart" xmlns:dgm="http://schemas.openxmlformats.org/drawingml/2006/diagram" xmlns:o="urn:schemas-microsoft-com:office:office" xmlns:v="urn:schemas-microsoft-com:vml" xmlns:pvml="urn:schemas-microsoft-com:office:powerpoint" xmlns:com="http://schemas.openxmlformats.org/drawingml/2006/compatibility" xmlns:p14="http://schemas.microsoft.com/office/powerpoint/2010/main" xmlns:p15="http://schemas.microsoft.com/office/powerpoint/2012/main" xmlns:ahyp="http://schemas.microsoft.com/office/drawing/2018/hyperlinkcolor" val="tx"/>
+                      <ahyp:hlinkClr xmlns:ahyp="http://schemas.microsoft.com/office/drawing/2018/hyperlinkcolor" xmlns:p15="http://schemas.microsoft.com/office/powerpoint/2012/main" xmlns:p14="http://schemas.microsoft.com/office/powerpoint/2010/main" xmlns:com="http://schemas.openxmlformats.org/drawingml/2006/compatibility" xmlns:pvml="urn:schemas-microsoft-com:office:powerpoint" xmlns:v="urn:schemas-microsoft-com:vml" xmlns:o="urn:schemas-microsoft-com:office:office" xmlns:dgm="http://schemas.openxmlformats.org/drawingml/2006/diagram" xmlns:c="http://schemas.openxmlformats.org/drawingml/2006/chart" xmlns:mv="urn:schemas-microsoft-com:mac:vml" xmlns:mc="http://schemas.openxmlformats.org/markup-compatibility/2006" xmlns="" val="tx"/>
                     </a:ext>
                   </a:extLst>
                 </a:hlinkClick>
@@ -15213,7 +15213,7 @@
                 <a:hlinkClick r:id="rId6">
                   <a:extLst>
                     <a:ext uri="{A12FA001-AC4F-418D-AE19-62706E023703}">
-                      <ahyp:hlinkClr xmlns="" xmlns:mc="http://schemas.openxmlformats.org/markup-compatibility/2006" xmlns:mv="urn:schemas-microsoft-com:mac:vml" xmlns:c="http://schemas.openxmlformats.org/drawingml/2006/chart" xmlns:dgm="http://schemas.openxmlformats.org/drawingml/2006/diagram" xmlns:o="urn:schemas-microsoft-com:office:office" xmlns:v="urn:schemas-microsoft-com:vml" xmlns:pvml="urn:schemas-microsoft-com:office:powerpoint" xmlns:com="http://schemas.openxmlformats.org/drawingml/2006/compatibility" xmlns:p14="http://schemas.microsoft.com/office/powerpoint/2010/main" xmlns:p15="http://schemas.microsoft.com/office/powerpoint/2012/main" xmlns:ahyp="http://schemas.microsoft.com/office/drawing/2018/hyperlinkcolor" val="tx"/>
+                      <ahyp:hlinkClr xmlns:ahyp="http://schemas.microsoft.com/office/drawing/2018/hyperlinkcolor" xmlns:p15="http://schemas.microsoft.com/office/powerpoint/2012/main" xmlns:p14="http://schemas.microsoft.com/office/powerpoint/2010/main" xmlns:com="http://schemas.openxmlformats.org/drawingml/2006/compatibility" xmlns:pvml="urn:schemas-microsoft-com:office:powerpoint" xmlns:v="urn:schemas-microsoft-com:vml" xmlns:o="urn:schemas-microsoft-com:office:office" xmlns:dgm="http://schemas.openxmlformats.org/drawingml/2006/diagram" xmlns:c="http://schemas.openxmlformats.org/drawingml/2006/chart" xmlns:mv="urn:schemas-microsoft-com:mac:vml" xmlns:mc="http://schemas.openxmlformats.org/markup-compatibility/2006" xmlns="" val="tx"/>
                     </a:ext>
                   </a:extLst>
                 </a:hlinkClick>
@@ -15316,7 +15316,7 @@
                 <a:hlinkClick r:id="rId7">
                   <a:extLst>
                     <a:ext uri="{A12FA001-AC4F-418D-AE19-62706E023703}">
-                      <ahyp:hlinkClr xmlns="" xmlns:mc="http://schemas.openxmlformats.org/markup-compatibility/2006" xmlns:mv="urn:schemas-microsoft-com:mac:vml" xmlns:c="http://schemas.openxmlformats.org/drawingml/2006/chart" xmlns:dgm="http://schemas.openxmlformats.org/drawingml/2006/diagram" xmlns:o="urn:schemas-microsoft-com:office:office" xmlns:v="urn:schemas-microsoft-com:vml" xmlns:pvml="urn:schemas-microsoft-com:office:powerpoint" xmlns:com="http://schemas.openxmlformats.org/drawingml/2006/compatibility" xmlns:p14="http://schemas.microsoft.com/office/powerpoint/2010/main" xmlns:p15="http://schemas.microsoft.com/office/powerpoint/2012/main" xmlns:ahyp="http://schemas.microsoft.com/office/drawing/2018/hyperlinkcolor" val="tx"/>
+                      <ahyp:hlinkClr xmlns:ahyp="http://schemas.microsoft.com/office/drawing/2018/hyperlinkcolor" xmlns:p15="http://schemas.microsoft.com/office/powerpoint/2012/main" xmlns:p14="http://schemas.microsoft.com/office/powerpoint/2010/main" xmlns:com="http://schemas.openxmlformats.org/drawingml/2006/compatibility" xmlns:pvml="urn:schemas-microsoft-com:office:powerpoint" xmlns:v="urn:schemas-microsoft-com:vml" xmlns:o="urn:schemas-microsoft-com:office:office" xmlns:dgm="http://schemas.openxmlformats.org/drawingml/2006/diagram" xmlns:c="http://schemas.openxmlformats.org/drawingml/2006/chart" xmlns:mv="urn:schemas-microsoft-com:mac:vml" xmlns:mc="http://schemas.openxmlformats.org/markup-compatibility/2006" xmlns="" val="tx"/>
                     </a:ext>
                   </a:extLst>
                 </a:hlinkClick>
@@ -16067,11 +16067,11 @@
               <a:buChar char="●"/>
             </a:pPr>
             <a:r>
-              <a:rPr lang="en"/>
+              <a:rPr lang="en" dirty="0"/>
               <a:t>Typically this is done via </a:t>
             </a:r>
             <a:r>
-              <a:rPr lang="en" u="sng">
+              <a:rPr lang="en" u="sng" dirty="0">
                 <a:solidFill>
                   <a:schemeClr val="hlink"/>
                 </a:solidFill>
@@ -16079,7 +16079,7 @@
               </a:rPr>
               <a:t>File Transfer Protocol (FTP)</a:t>
             </a:r>
-            <a:endParaRPr/>
+            <a:endParaRPr dirty="0"/>
           </a:p>
           <a:p>
             <a:pPr marL="457200" lvl="0" indent="-342900" algn="l" rtl="0">
@@ -16093,11 +16093,11 @@
               <a:buChar char="●"/>
             </a:pPr>
             <a:r>
-              <a:rPr lang="en"/>
+              <a:rPr lang="en" dirty="0"/>
               <a:t>Specifically, the Clusters like to be safe, so the </a:t>
             </a:r>
             <a:r>
-              <a:rPr lang="en" u="sng">
+              <a:rPr lang="en" u="sng" dirty="0">
                 <a:solidFill>
                   <a:schemeClr val="hlink"/>
                 </a:solidFill>
@@ -16106,10 +16106,10 @@
               <a:t>Secure FTP</a:t>
             </a:r>
             <a:r>
-              <a:rPr lang="en"/>
+              <a:rPr lang="en" dirty="0"/>
               <a:t> is required.</a:t>
             </a:r>
-            <a:endParaRPr/>
+            <a:endParaRPr dirty="0"/>
           </a:p>
           <a:p>
             <a:pPr marL="457200" lvl="0" indent="-342900" algn="l" rtl="0">
@@ -16123,11 +16123,11 @@
               <a:buChar char="●"/>
             </a:pPr>
             <a:r>
-              <a:rPr lang="en"/>
+              <a:rPr lang="en" dirty="0"/>
               <a:t>A Cluster runs a </a:t>
             </a:r>
             <a:r>
-              <a:rPr lang="en" u="sng">
+              <a:rPr lang="en" u="sng" dirty="0">
                 <a:solidFill>
                   <a:schemeClr val="hlink"/>
                 </a:solidFill>
@@ -16136,11 +16136,11 @@
               <a:t>SFTP server</a:t>
             </a:r>
             <a:r>
-              <a:rPr lang="en"/>
+              <a:rPr lang="en" dirty="0"/>
               <a:t>, while the User interacts with it using a </a:t>
             </a:r>
             <a:r>
-              <a:rPr lang="en" u="sng">
+              <a:rPr lang="en" u="sng" dirty="0">
                 <a:solidFill>
                   <a:schemeClr val="hlink"/>
                 </a:solidFill>
@@ -16148,7 +16148,7 @@
               </a:rPr>
               <a:t>SFTP client</a:t>
             </a:r>
-            <a:endParaRPr/>
+            <a:endParaRPr dirty="0"/>
           </a:p>
           <a:p>
             <a:pPr marL="457200" lvl="0" indent="-342900" algn="l" rtl="0">
@@ -16162,11 +16162,11 @@
               <a:buChar char="●"/>
             </a:pPr>
             <a:r>
-              <a:rPr lang="en"/>
+              <a:rPr lang="en" dirty="0"/>
               <a:t>The client can be either a graphical user interface (GUI) program on your PC or it can be a terminal-line program (e.g., the Linux </a:t>
             </a:r>
             <a:r>
-              <a:rPr lang="en" u="sng">
+              <a:rPr lang="en" u="sng" dirty="0">
                 <a:solidFill>
                   <a:schemeClr val="hlink"/>
                 </a:solidFill>
@@ -16175,31 +16175,23 @@
               <a:t>‘scp’</a:t>
             </a:r>
             <a:r>
-              <a:rPr lang="en"/>
+              <a:rPr lang="en" dirty="0"/>
               <a:t> command) </a:t>
             </a:r>
-            <a:endParaRPr/>
+            <a:endParaRPr dirty="0"/>
           </a:p>
         </p:txBody>
       </p:sp>
-      <p:pic>
-        <p:nvPicPr>
-          <p:cNvPr id="86" name="Google Shape;86;p16"/>
-          <p:cNvPicPr preferRelativeResize="0"/>
+      <p:sp>
+        <p:nvSpPr>
+          <p:cNvPr id="8" name="Google Shape;114;p16"/>
+          <p:cNvSpPr txBox="1"/>
           <p:nvPr/>
-        </p:nvPicPr>
-        <p:blipFill>
-          <a:blip r:embed="rId8">
-            <a:alphaModFix/>
-          </a:blip>
-          <a:stretch>
-            <a:fillRect/>
-          </a:stretch>
-        </p:blipFill>
+        </p:nvSpPr>
         <p:spPr>
           <a:xfrm>
-            <a:off x="2150200" y="3229630"/>
-            <a:ext cx="4659864" cy="1765100"/>
+            <a:off x="0" y="4682925"/>
+            <a:ext cx="9144000" cy="386937"/>
           </a:xfrm>
           <a:prstGeom prst="rect">
             <a:avLst/>
@@ -16209,7 +16201,336 @@
             <a:noFill/>
           </a:ln>
         </p:spPr>
-      </p:pic>
+        <p:txBody>
+          <a:bodyPr spcFirstLastPara="1" wrap="square" lIns="91425" tIns="91425" rIns="91425" bIns="91425" anchor="t" anchorCtr="0">
+            <a:noAutofit/>
+          </a:bodyPr>
+          <a:lstStyle/>
+          <a:p>
+            <a:pPr algn="ctr"/>
+            <a:r>
+              <a:rPr lang="en-US" sz="1200" dirty="0" smtClean="0">
+                <a:latin typeface="Roboto"/>
+                <a:ea typeface="Roboto"/>
+                <a:cs typeface="Roboto"/>
+                <a:sym typeface="Roboto"/>
+              </a:rPr>
+              <a:t>Images: </a:t>
+            </a:r>
+            <a:r>
+              <a:rPr lang="en-US" sz="1200" dirty="0" smtClean="0">
+                <a:latin typeface="Roboto"/>
+                <a:ea typeface="Roboto"/>
+                <a:cs typeface="Roboto"/>
+                <a:sym typeface="Roboto"/>
+                <a:hlinkClick r:id="rId8"/>
+              </a:rPr>
+              <a:t>White and black laptop computer</a:t>
+            </a:r>
+            <a:r>
+              <a:rPr lang="en-US" sz="1200" dirty="0" smtClean="0">
+                <a:latin typeface="Roboto"/>
+                <a:ea typeface="Roboto"/>
+                <a:cs typeface="Roboto"/>
+                <a:sym typeface="Roboto"/>
+              </a:rPr>
+              <a:t> </a:t>
+            </a:r>
+            <a:r>
+              <a:rPr lang="en-US" sz="1200" dirty="0">
+                <a:latin typeface="Roboto"/>
+                <a:ea typeface="Roboto"/>
+                <a:cs typeface="Roboto"/>
+                <a:sym typeface="Roboto"/>
+              </a:rPr>
+              <a:t>and </a:t>
+            </a:r>
+            <a:r>
+              <a:rPr lang="en-US" sz="1200" dirty="0" smtClean="0">
+                <a:latin typeface="Roboto"/>
+                <a:ea typeface="Roboto"/>
+                <a:cs typeface="Roboto"/>
+                <a:sym typeface="Roboto"/>
+                <a:hlinkClick r:id="rId9"/>
+              </a:rPr>
+              <a:t>Server Case Computer Drawing</a:t>
+            </a:r>
+            <a:r>
+              <a:rPr lang="en-US" sz="1200" dirty="0" smtClean="0">
+                <a:latin typeface="Roboto"/>
+                <a:ea typeface="Roboto"/>
+                <a:cs typeface="Roboto"/>
+                <a:sym typeface="Roboto"/>
+              </a:rPr>
+              <a:t> are </a:t>
+            </a:r>
+            <a:r>
+              <a:rPr lang="en-US" sz="1200" dirty="0" smtClean="0">
+                <a:latin typeface="Roboto"/>
+                <a:ea typeface="Roboto"/>
+                <a:cs typeface="Roboto"/>
+                <a:sym typeface="Roboto"/>
+              </a:rPr>
+              <a:t>in the public domain.</a:t>
+            </a:r>
+            <a:endParaRPr sz="1200" dirty="0">
+              <a:latin typeface="Roboto"/>
+              <a:ea typeface="Roboto"/>
+              <a:cs typeface="Roboto"/>
+              <a:sym typeface="Roboto"/>
+            </a:endParaRPr>
+          </a:p>
+        </p:txBody>
+      </p:sp>
+      <p:grpSp>
+        <p:nvGrpSpPr>
+          <p:cNvPr id="12" name="Group 11"/>
+          <p:cNvGrpSpPr/>
+          <p:nvPr/>
+        </p:nvGrpSpPr>
+        <p:grpSpPr>
+          <a:xfrm>
+            <a:off x="2408221" y="3168318"/>
+            <a:ext cx="4327558" cy="1682700"/>
+            <a:chOff x="1883228" y="3092433"/>
+            <a:chExt cx="4327558" cy="1682700"/>
+          </a:xfrm>
+        </p:grpSpPr>
+        <p:pic>
+          <p:nvPicPr>
+            <p:cNvPr id="1028" name="Picture 4" descr="hite and black laptop computer"/>
+            <p:cNvPicPr>
+              <a:picLocks noChangeAspect="1" noChangeArrowheads="1"/>
+            </p:cNvPicPr>
+            <p:nvPr/>
+          </p:nvPicPr>
+          <p:blipFill>
+            <a:blip r:embed="rId10">
+              <a:extLst>
+                <a:ext uri="{28A0092B-C50C-407E-A947-70E740481C1C}">
+                  <a14:useLocalDpi xmlns:a14="http://schemas.microsoft.com/office/drawing/2010/main" val="0"/>
+                </a:ext>
+              </a:extLst>
+            </a:blip>
+            <a:srcRect/>
+            <a:stretch>
+              <a:fillRect/>
+            </a:stretch>
+          </p:blipFill>
+          <p:spPr bwMode="auto">
+            <a:xfrm>
+              <a:off x="1883228" y="3092433"/>
+              <a:ext cx="2079171" cy="1385248"/>
+            </a:xfrm>
+            <a:prstGeom prst="rect">
+              <a:avLst/>
+            </a:prstGeom>
+            <a:noFill/>
+            <a:extLst>
+              <a:ext uri="{909E8E84-426E-40DD-AFC4-6F175D3DCCD1}">
+                <a14:hiddenFill xmlns:a14="http://schemas.microsoft.com/office/drawing/2010/main">
+                  <a:solidFill>
+                    <a:srgbClr val="FFFFFF"/>
+                  </a:solidFill>
+                </a14:hiddenFill>
+              </a:ext>
+            </a:extLst>
+          </p:spPr>
+        </p:pic>
+        <p:pic>
+          <p:nvPicPr>
+            <p:cNvPr id="1030" name="Picture 6" descr="erver case computer drawing"/>
+            <p:cNvPicPr>
+              <a:picLocks noChangeAspect="1" noChangeArrowheads="1"/>
+            </p:cNvPicPr>
+            <p:nvPr/>
+          </p:nvPicPr>
+          <p:blipFill>
+            <a:blip r:embed="rId11">
+              <a:extLst>
+                <a:ext uri="{28A0092B-C50C-407E-A947-70E740481C1C}">
+                  <a14:useLocalDpi xmlns:a14="http://schemas.microsoft.com/office/drawing/2010/main" val="0"/>
+                </a:ext>
+              </a:extLst>
+            </a:blip>
+            <a:srcRect/>
+            <a:stretch>
+              <a:fillRect/>
+            </a:stretch>
+          </p:blipFill>
+          <p:spPr bwMode="auto">
+            <a:xfrm>
+              <a:off x="5231397" y="3115789"/>
+              <a:ext cx="741932" cy="1338536"/>
+            </a:xfrm>
+            <a:prstGeom prst="rect">
+              <a:avLst/>
+            </a:prstGeom>
+            <a:noFill/>
+            <a:extLst>
+              <a:ext uri="{909E8E84-426E-40DD-AFC4-6F175D3DCCD1}">
+                <a14:hiddenFill xmlns:a14="http://schemas.microsoft.com/office/drawing/2010/main">
+                  <a:solidFill>
+                    <a:srgbClr val="FFFFFF"/>
+                  </a:solidFill>
+                </a14:hiddenFill>
+              </a:ext>
+            </a:extLst>
+          </p:spPr>
+        </p:pic>
+        <p:sp>
+          <p:nvSpPr>
+            <p:cNvPr id="10" name="Google Shape;114;p16"/>
+            <p:cNvSpPr txBox="1"/>
+            <p:nvPr/>
+          </p:nvSpPr>
+          <p:spPr>
+            <a:xfrm>
+              <a:off x="2190310" y="4376189"/>
+              <a:ext cx="1206034" cy="386937"/>
+            </a:xfrm>
+            <a:prstGeom prst="rect">
+              <a:avLst/>
+            </a:prstGeom>
+            <a:noFill/>
+            <a:ln>
+              <a:noFill/>
+            </a:ln>
+          </p:spPr>
+          <p:txBody>
+            <a:bodyPr spcFirstLastPara="1" wrap="square" lIns="91425" tIns="91425" rIns="91425" bIns="91425" anchor="t" anchorCtr="0">
+              <a:noAutofit/>
+            </a:bodyPr>
+            <a:lstStyle/>
+            <a:p>
+              <a:pPr algn="ctr"/>
+              <a:r>
+                <a:rPr lang="en-US" sz="1200" b="1" dirty="0" smtClean="0">
+                  <a:latin typeface="Roboto"/>
+                  <a:ea typeface="Roboto"/>
+                  <a:cs typeface="Roboto"/>
+                  <a:sym typeface="Roboto"/>
+                </a:rPr>
+                <a:t>SFTP client</a:t>
+              </a:r>
+              <a:endParaRPr sz="1200" b="1" dirty="0">
+                <a:latin typeface="Roboto"/>
+                <a:ea typeface="Roboto"/>
+                <a:cs typeface="Roboto"/>
+                <a:sym typeface="Roboto"/>
+              </a:endParaRPr>
+            </a:p>
+          </p:txBody>
+        </p:sp>
+        <p:sp>
+          <p:nvSpPr>
+            <p:cNvPr id="11" name="Google Shape;114;p16"/>
+            <p:cNvSpPr txBox="1"/>
+            <p:nvPr/>
+          </p:nvSpPr>
+          <p:spPr>
+            <a:xfrm>
+              <a:off x="5004752" y="4388196"/>
+              <a:ext cx="1206034" cy="386937"/>
+            </a:xfrm>
+            <a:prstGeom prst="rect">
+              <a:avLst/>
+            </a:prstGeom>
+            <a:noFill/>
+            <a:ln>
+              <a:noFill/>
+            </a:ln>
+          </p:spPr>
+          <p:txBody>
+            <a:bodyPr spcFirstLastPara="1" wrap="square" lIns="91425" tIns="91425" rIns="91425" bIns="91425" anchor="t" anchorCtr="0">
+              <a:noAutofit/>
+            </a:bodyPr>
+            <a:lstStyle/>
+            <a:p>
+              <a:pPr algn="ctr"/>
+              <a:r>
+                <a:rPr lang="en-US" sz="1200" b="1" dirty="0" smtClean="0">
+                  <a:latin typeface="Roboto"/>
+                  <a:ea typeface="Roboto"/>
+                  <a:cs typeface="Roboto"/>
+                  <a:sym typeface="Roboto"/>
+                </a:rPr>
+                <a:t>SFTP server</a:t>
+              </a:r>
+              <a:endParaRPr sz="1200" b="1" dirty="0">
+                <a:latin typeface="Roboto"/>
+                <a:ea typeface="Roboto"/>
+                <a:cs typeface="Roboto"/>
+                <a:sym typeface="Roboto"/>
+              </a:endParaRPr>
+            </a:p>
+          </p:txBody>
+        </p:sp>
+        <p:cxnSp>
+          <p:nvCxnSpPr>
+            <p:cNvPr id="4" name="Straight Connector 3"/>
+            <p:cNvCxnSpPr/>
+            <p:nvPr/>
+          </p:nvCxnSpPr>
+          <p:spPr>
+            <a:xfrm>
+              <a:off x="3554342" y="3843243"/>
+              <a:ext cx="1425710" cy="0"/>
+            </a:xfrm>
+            <a:prstGeom prst="line">
+              <a:avLst/>
+            </a:prstGeom>
+            <a:ln>
+              <a:headEnd type="triangle" w="lg" len="med"/>
+              <a:tailEnd type="triangle" w="lg" len="med"/>
+            </a:ln>
+          </p:spPr>
+          <p:style>
+            <a:lnRef idx="1">
+              <a:schemeClr val="accent1"/>
+            </a:lnRef>
+            <a:fillRef idx="0">
+              <a:schemeClr val="accent1"/>
+            </a:fillRef>
+            <a:effectRef idx="0">
+              <a:schemeClr val="accent1"/>
+            </a:effectRef>
+            <a:fontRef idx="minor">
+              <a:schemeClr val="tx1"/>
+            </a:fontRef>
+          </p:style>
+        </p:cxnSp>
+        <p:sp>
+          <p:nvSpPr>
+            <p:cNvPr id="9" name="TextBox 8"/>
+            <p:cNvSpPr txBox="1"/>
+            <p:nvPr/>
+          </p:nvSpPr>
+          <p:spPr>
+            <a:xfrm>
+              <a:off x="3959490" y="3532700"/>
+              <a:ext cx="643125" cy="307777"/>
+            </a:xfrm>
+            <a:prstGeom prst="rect">
+              <a:avLst/>
+            </a:prstGeom>
+            <a:noFill/>
+          </p:spPr>
+          <p:txBody>
+            <a:bodyPr wrap="none" rtlCol="0">
+              <a:spAutoFit/>
+            </a:bodyPr>
+            <a:lstStyle/>
+            <a:p>
+              <a:r>
+                <a:rPr lang="en-US" dirty="0" smtClean="0"/>
+                <a:t>SFTP</a:t>
+              </a:r>
+              <a:endParaRPr lang="en-US" dirty="0"/>
+            </a:p>
+          </p:txBody>
+        </p:sp>
+      </p:grpSp>
     </p:spTree>
   </p:cSld>
   <p:clrMapOvr>
@@ -16313,10 +16634,10 @@
               <a:buChar char="●"/>
             </a:pPr>
             <a:r>
-              <a:rPr lang="en"/>
+              <a:rPr lang="en" dirty="0"/>
               <a:t>Download and Install any FTP Client that supports the SFTP Protocol</a:t>
             </a:r>
-            <a:endParaRPr/>
+            <a:endParaRPr dirty="0"/>
           </a:p>
           <a:p>
             <a:pPr marL="457200" lvl="0" indent="-342900" algn="l" rtl="0">
@@ -16330,205 +16651,89 @@
               <a:buChar char="●"/>
             </a:pPr>
             <a:r>
-              <a:rPr lang="en"/>
+              <a:rPr lang="en" dirty="0"/>
               <a:t>Many are available… </a:t>
             </a:r>
             <a:r>
-              <a:rPr lang="en" b="1">
+              <a:rPr lang="en" b="1" dirty="0">
                 <a:solidFill>
                   <a:srgbClr val="FF0000"/>
                 </a:solidFill>
               </a:rPr>
-              <a:t>Note:  some of them may contain ad-ware.</a:t>
-            </a:r>
-            <a:endParaRPr b="1">
+              <a:t>Note:  some of them may contain ad-ware</a:t>
+            </a:r>
+            <a:r>
+              <a:rPr lang="en" b="1" dirty="0" smtClean="0">
+                <a:solidFill>
+                  <a:srgbClr val="FF0000"/>
+                </a:solidFill>
+              </a:rPr>
+              <a:t>.</a:t>
+            </a:r>
+            <a:endParaRPr lang="en-US" b="1" dirty="0" smtClean="0">
               <a:solidFill>
                 <a:srgbClr val="FF0000"/>
               </a:solidFill>
             </a:endParaRPr>
           </a:p>
           <a:p>
-            <a:pPr marL="0" lvl="0" indent="0" algn="l" rtl="0">
-              <a:spcBef>
-                <a:spcPts val="1600"/>
-              </a:spcBef>
-              <a:spcAft>
-                <a:spcPts val="0"/>
-              </a:spcAft>
-              <a:buNone/>
-            </a:pPr>
-            <a:endParaRPr/>
-          </a:p>
-          <a:p>
-            <a:pPr marL="0" lvl="0" indent="0" algn="l" rtl="0">
-              <a:spcBef>
-                <a:spcPts val="1600"/>
-              </a:spcBef>
-              <a:spcAft>
-                <a:spcPts val="0"/>
-              </a:spcAft>
-              <a:buNone/>
-            </a:pPr>
-            <a:endParaRPr/>
-          </a:p>
-          <a:p>
-            <a:pPr marL="0" lvl="0" indent="0" algn="l" rtl="0">
-              <a:spcBef>
-                <a:spcPts val="1600"/>
-              </a:spcBef>
-              <a:spcAft>
-                <a:spcPts val="0"/>
-              </a:spcAft>
-              <a:buNone/>
-            </a:pPr>
-            <a:endParaRPr/>
-          </a:p>
-          <a:p>
-            <a:pPr marL="457200" lvl="0" indent="-342900" algn="l" rtl="0">
-              <a:spcBef>
-                <a:spcPts val="1600"/>
-              </a:spcBef>
-              <a:spcAft>
-                <a:spcPts val="0"/>
-              </a:spcAft>
-              <a:buSzPts val="1800"/>
-              <a:buChar char="●"/>
-            </a:pPr>
-            <a:endParaRPr/>
-          </a:p>
-        </p:txBody>
-      </p:sp>
-      <p:pic>
-        <p:nvPicPr>
-          <p:cNvPr id="93" name="Google Shape;93;p17"/>
-          <p:cNvPicPr preferRelativeResize="0"/>
-          <p:nvPr/>
-        </p:nvPicPr>
-        <p:blipFill>
-          <a:blip r:embed="rId3">
-            <a:alphaModFix/>
-          </a:blip>
-          <a:stretch>
-            <a:fillRect/>
-          </a:stretch>
-        </p:blipFill>
-        <p:spPr>
-          <a:xfrm>
-            <a:off x="0" y="1934314"/>
-            <a:ext cx="9143999" cy="2387821"/>
-          </a:xfrm>
-          <a:prstGeom prst="rect">
-            <a:avLst/>
-          </a:prstGeom>
-          <a:noFill/>
-          <a:ln>
-            <a:noFill/>
-          </a:ln>
-        </p:spPr>
-      </p:pic>
-      <p:sp>
-        <p:nvSpPr>
-          <p:cNvPr id="94" name="Google Shape;94;p17"/>
-          <p:cNvSpPr txBox="1"/>
-          <p:nvPr/>
-        </p:nvSpPr>
-        <p:spPr>
-          <a:xfrm>
-            <a:off x="586550" y="3789950"/>
-            <a:ext cx="6450600" cy="413700"/>
-          </a:xfrm>
-          <a:prstGeom prst="rect">
-            <a:avLst/>
-          </a:prstGeom>
-          <a:noFill/>
-          <a:ln>
-            <a:noFill/>
-          </a:ln>
-        </p:spPr>
-        <p:txBody>
-          <a:bodyPr spcFirstLastPara="1" wrap="square" lIns="91425" tIns="91425" rIns="91425" bIns="91425" anchor="t" anchorCtr="0">
-            <a:noAutofit/>
-          </a:bodyPr>
-          <a:lstStyle/>
-          <a:p>
-            <a:pPr marL="0" lvl="0" indent="0" algn="l" rtl="0">
-              <a:lnSpc>
-                <a:spcPct val="115000"/>
-              </a:lnSpc>
-              <a:spcBef>
-                <a:spcPts val="0"/>
-              </a:spcBef>
-              <a:spcAft>
-                <a:spcPts val="0"/>
-              </a:spcAft>
-              <a:buNone/>
-            </a:pPr>
-            <a:endParaRPr sz="1800">
-              <a:solidFill>
-                <a:schemeClr val="dk2"/>
-              </a:solidFill>
-              <a:latin typeface="Open Sans"/>
-              <a:ea typeface="Open Sans"/>
-              <a:cs typeface="Open Sans"/>
-              <a:sym typeface="Open Sans"/>
-            </a:endParaRPr>
-          </a:p>
-          <a:p>
-            <a:pPr marL="457200" lvl="0" indent="-342900" algn="l" rtl="0">
-              <a:lnSpc>
-                <a:spcPct val="115000"/>
-              </a:lnSpc>
-              <a:spcBef>
-                <a:spcPts val="1600"/>
-              </a:spcBef>
-              <a:spcAft>
-                <a:spcPts val="0"/>
-              </a:spcAft>
-              <a:buClr>
-                <a:schemeClr val="dk2"/>
-              </a:buClr>
-              <a:buSzPts val="1800"/>
-              <a:buFont typeface="Open Sans"/>
-              <a:buChar char="●"/>
-            </a:pPr>
-            <a:r>
-              <a:rPr lang="en" sz="1800">
-                <a:solidFill>
-                  <a:schemeClr val="dk2"/>
-                </a:solidFill>
-                <a:latin typeface="Open Sans"/>
-                <a:ea typeface="Open Sans"/>
-                <a:cs typeface="Open Sans"/>
-                <a:sym typeface="Open Sans"/>
+            <a:r>
+              <a:rPr lang="en-US" dirty="0"/>
+              <a:t>Let’s try </a:t>
+            </a:r>
+            <a:r>
+              <a:rPr lang="en-US" dirty="0" err="1" smtClean="0"/>
+              <a:t>WinSCP</a:t>
+            </a:r>
+            <a:r>
+              <a:rPr lang="en-US" dirty="0" smtClean="0"/>
+              <a:t>: </a:t>
+            </a:r>
+            <a:r>
+              <a:rPr lang="en-US" u="sng" dirty="0" smtClean="0">
+                <a:solidFill>
+                  <a:schemeClr val="hlink"/>
+                </a:solidFill>
+                <a:hlinkClick r:id="rId3"/>
               </a:rPr>
-              <a:t>Lets try the first one:  WinSCP   </a:t>
-            </a:r>
-            <a:r>
-              <a:rPr lang="en" sz="1800" u="sng">
+              <a:t>https</a:t>
+            </a:r>
+            <a:r>
+              <a:rPr lang="en-US" u="sng" dirty="0">
                 <a:solidFill>
                   <a:schemeClr val="hlink"/>
                 </a:solidFill>
-                <a:latin typeface="Open Sans"/>
-                <a:ea typeface="Open Sans"/>
-                <a:cs typeface="Open Sans"/>
-                <a:sym typeface="Open Sans"/>
-                <a:hlinkClick r:id="rId4"/>
+                <a:hlinkClick r:id="rId3"/>
               </a:rPr>
-              <a:t>https://winscp.net/eng/download.php</a:t>
-            </a:r>
-            <a:r>
-              <a:rPr lang="en" sz="1800">
-                <a:solidFill>
-                  <a:schemeClr val="dk2"/>
-                </a:solidFill>
-                <a:latin typeface="Open Sans"/>
-                <a:ea typeface="Open Sans"/>
-                <a:cs typeface="Open Sans"/>
-                <a:sym typeface="Open Sans"/>
+              <a:t>://</a:t>
+            </a:r>
+            <a:r>
+              <a:rPr lang="en-US" u="sng" dirty="0" smtClean="0">
+                <a:solidFill>
+                  <a:schemeClr val="hlink"/>
+                </a:solidFill>
+                <a:hlinkClick r:id="rId3"/>
               </a:rPr>
-              <a:t> </a:t>
-            </a:r>
-            <a:endParaRPr/>
+              <a:t>winscp.net/eng/</a:t>
+            </a:r>
+            <a:r>
+              <a:rPr lang="en-US" u="sng" dirty="0" err="1" smtClean="0">
+                <a:solidFill>
+                  <a:schemeClr val="hlink"/>
+                </a:solidFill>
+                <a:hlinkClick r:id="rId3"/>
+              </a:rPr>
+              <a:t>download.ph</a:t>
+            </a:r>
+            <a:r>
+              <a:rPr lang="en-US" u="sng" dirty="0" err="1" smtClean="0">
+                <a:solidFill>
+                  <a:schemeClr val="hlink"/>
+                </a:solidFill>
+              </a:rPr>
+              <a:t>p</a:t>
+            </a:r>
+            <a:endParaRPr dirty="0"/>
           </a:p>
         </p:txBody>
       </p:sp>
